--- a/src/main/resources/models/CertificateNR26.pptx
+++ b/src/main/resources/models/CertificateNR26.pptx
@@ -244,7 +244,7 @@
           <a:p>
             <a:fld id="{CB17185E-A7B6-4047-92FE-65E097B09686}" type="datetimeFigureOut">
               <a:rPr lang="pt-BR" smtClean="0"/>
-              <a:t>03/02/2025</a:t>
+              <a:t>24/04/2025</a:t>
             </a:fld>
             <a:endParaRPr lang="pt-BR"/>
           </a:p>
@@ -414,7 +414,7 @@
           <a:p>
             <a:fld id="{CB17185E-A7B6-4047-92FE-65E097B09686}" type="datetimeFigureOut">
               <a:rPr lang="pt-BR" smtClean="0"/>
-              <a:t>03/02/2025</a:t>
+              <a:t>24/04/2025</a:t>
             </a:fld>
             <a:endParaRPr lang="pt-BR"/>
           </a:p>
@@ -594,7 +594,7 @@
           <a:p>
             <a:fld id="{CB17185E-A7B6-4047-92FE-65E097B09686}" type="datetimeFigureOut">
               <a:rPr lang="pt-BR" smtClean="0"/>
-              <a:t>03/02/2025</a:t>
+              <a:t>24/04/2025</a:t>
             </a:fld>
             <a:endParaRPr lang="pt-BR"/>
           </a:p>
@@ -764,7 +764,7 @@
           <a:p>
             <a:fld id="{CB17185E-A7B6-4047-92FE-65E097B09686}" type="datetimeFigureOut">
               <a:rPr lang="pt-BR" smtClean="0"/>
-              <a:t>03/02/2025</a:t>
+              <a:t>24/04/2025</a:t>
             </a:fld>
             <a:endParaRPr lang="pt-BR"/>
           </a:p>
@@ -1010,7 +1010,7 @@
           <a:p>
             <a:fld id="{CB17185E-A7B6-4047-92FE-65E097B09686}" type="datetimeFigureOut">
               <a:rPr lang="pt-BR" smtClean="0"/>
-              <a:t>03/02/2025</a:t>
+              <a:t>24/04/2025</a:t>
             </a:fld>
             <a:endParaRPr lang="pt-BR"/>
           </a:p>
@@ -1242,7 +1242,7 @@
           <a:p>
             <a:fld id="{CB17185E-A7B6-4047-92FE-65E097B09686}" type="datetimeFigureOut">
               <a:rPr lang="pt-BR" smtClean="0"/>
-              <a:t>03/02/2025</a:t>
+              <a:t>24/04/2025</a:t>
             </a:fld>
             <a:endParaRPr lang="pt-BR"/>
           </a:p>
@@ -1609,7 +1609,7 @@
           <a:p>
             <a:fld id="{CB17185E-A7B6-4047-92FE-65E097B09686}" type="datetimeFigureOut">
               <a:rPr lang="pt-BR" smtClean="0"/>
-              <a:t>03/02/2025</a:t>
+              <a:t>24/04/2025</a:t>
             </a:fld>
             <a:endParaRPr lang="pt-BR"/>
           </a:p>
@@ -1727,7 +1727,7 @@
           <a:p>
             <a:fld id="{CB17185E-A7B6-4047-92FE-65E097B09686}" type="datetimeFigureOut">
               <a:rPr lang="pt-BR" smtClean="0"/>
-              <a:t>03/02/2025</a:t>
+              <a:t>24/04/2025</a:t>
             </a:fld>
             <a:endParaRPr lang="pt-BR"/>
           </a:p>
@@ -1822,7 +1822,7 @@
           <a:p>
             <a:fld id="{CB17185E-A7B6-4047-92FE-65E097B09686}" type="datetimeFigureOut">
               <a:rPr lang="pt-BR" smtClean="0"/>
-              <a:t>03/02/2025</a:t>
+              <a:t>24/04/2025</a:t>
             </a:fld>
             <a:endParaRPr lang="pt-BR"/>
           </a:p>
@@ -2099,7 +2099,7 @@
           <a:p>
             <a:fld id="{CB17185E-A7B6-4047-92FE-65E097B09686}" type="datetimeFigureOut">
               <a:rPr lang="pt-BR" smtClean="0"/>
-              <a:t>03/02/2025</a:t>
+              <a:t>24/04/2025</a:t>
             </a:fld>
             <a:endParaRPr lang="pt-BR"/>
           </a:p>
@@ -2352,7 +2352,7 @@
           <a:p>
             <a:fld id="{CB17185E-A7B6-4047-92FE-65E097B09686}" type="datetimeFigureOut">
               <a:rPr lang="pt-BR" smtClean="0"/>
-              <a:t>03/02/2025</a:t>
+              <a:t>24/04/2025</a:t>
             </a:fld>
             <a:endParaRPr lang="pt-BR"/>
           </a:p>
@@ -2565,7 +2565,7 @@
           <a:p>
             <a:fld id="{CB17185E-A7B6-4047-92FE-65E097B09686}" type="datetimeFigureOut">
               <a:rPr lang="pt-BR" smtClean="0"/>
-              <a:t>03/02/2025</a:t>
+              <a:t>24/04/2025</a:t>
             </a:fld>
             <a:endParaRPr lang="pt-BR"/>
           </a:p>
@@ -3175,28 +3175,22 @@
               <a:t>portador </a:t>
             </a:r>
             <a:r>
-              <a:rPr lang="pt-BR" altLang="pt-BR" sz="2000" dirty="0" smtClean="0">
+              <a:rPr lang="pt-BR" altLang="pt-BR" sz="2000" smtClean="0">
                 <a:latin typeface="Arial" panose="020B0604020202020204" pitchFamily="34" charset="0"/>
               </a:rPr>
-              <a:t>do RG </a:t>
+              <a:t>do </a:t>
+            </a:r>
+            <a:r>
+              <a:rPr lang="pt-BR" altLang="pt-BR" sz="2000" smtClean="0">
+                <a:latin typeface="Arial" panose="020B0604020202020204" pitchFamily="34" charset="0"/>
+              </a:rPr>
+              <a:t>CPF </a:t>
             </a:r>
             <a:r>
               <a:rPr lang="pt-BR" altLang="pt-BR" sz="2000" dirty="0">
                 <a:latin typeface="Arial" panose="020B0604020202020204" pitchFamily="34" charset="0"/>
               </a:rPr>
               <a:t>nº </a:t>
-            </a:r>
-            <a:r>
-              <a:rPr lang="pt-BR" altLang="pt-BR" sz="2000" dirty="0" smtClean="0">
-                <a:latin typeface="Arial" panose="020B0604020202020204" pitchFamily="34" charset="0"/>
-              </a:rPr>
-              <a:t>{{RG}} </a:t>
-            </a:r>
-            <a:r>
-              <a:rPr lang="pt-BR" altLang="pt-BR" sz="2000" dirty="0">
-                <a:latin typeface="Arial" panose="020B0604020202020204" pitchFamily="34" charset="0"/>
-              </a:rPr>
-              <a:t>e CPF nº </a:t>
             </a:r>
             <a:r>
               <a:rPr lang="pt-BR" altLang="pt-BR" sz="2000" dirty="0" smtClean="0">
@@ -3219,24 +3213,7 @@
                 <a:ea typeface="+mn-ea"/>
                 <a:cs typeface="+mn-cs"/>
               </a:rPr>
-              <a:t>, </a:t>
-            </a:r>
-            <a:r>
-              <a:rPr kumimoji="0" lang="pt-BR" altLang="pt-BR" sz="2000" b="0" i="0" u="none" strike="noStrike" kern="1200" cap="none" spc="0" normalizeH="0" baseline="0" noProof="0" dirty="0" smtClean="0">
-                <a:ln>
-                  <a:noFill/>
-                </a:ln>
-                <a:solidFill>
-                  <a:prstClr val="black"/>
-                </a:solidFill>
-                <a:effectLst/>
-                <a:uLnTx/>
-                <a:uFillTx/>
-                <a:latin typeface="Arial" panose="020B0604020202020204" pitchFamily="34" charset="0"/>
-                <a:ea typeface="+mn-ea"/>
-                <a:cs typeface="+mn-cs"/>
-              </a:rPr>
-              <a:t>concluiu com aproveitamento o curso da NR-26</a:t>
+              <a:t>, concluiu com aproveitamento o curso da NR-26</a:t>
             </a:r>
             <a:r>
               <a:rPr kumimoji="0" lang="pt-BR" altLang="pt-BR" sz="2000" b="0" i="0" u="none" strike="noStrike" kern="1200" cap="none" spc="0" normalizeH="0" noProof="0" dirty="0" smtClean="0">
@@ -3368,13 +3345,13 @@
               <a:t>São Carlos, </a:t>
             </a:r>
             <a:r>
-              <a:rPr lang="pt-BR" altLang="pt-BR" sz="1600" smtClean="0">
+              <a:rPr lang="pt-BR" altLang="pt-BR" sz="1600" dirty="0" smtClean="0">
                 <a:latin typeface="Arial" panose="020B0604020202020204" pitchFamily="34" charset="0"/>
               </a:rPr>
               <a:t>{{DATA}}</a:t>
             </a:r>
             <a:r>
-              <a:rPr lang="pt-BR" altLang="pt-BR" sz="1600" smtClean="0">
+              <a:rPr lang="pt-BR" altLang="pt-BR" sz="1600" dirty="0" smtClean="0">
                 <a:solidFill>
                   <a:prstClr val="black"/>
                 </a:solidFill>
